--- a/项目报告/插件演示部分-吕广利.pptx
+++ b/项目报告/插件演示部分-吕广利.pptx
@@ -14,6 +14,7 @@
     <p:sldId id="259" r:id="rId11"/>
     <p:sldId id="260" r:id="rId12"/>
     <p:sldId id="261" r:id="rId13"/>
+    <p:sldId id="262" r:id="rId14"/>
   </p:sldIdLst>
   <p:sldSz cx="13004800" cy="9753600"/>
   <p:notesSz cx="6858000" cy="9144000"/>
@@ -68,13 +69,13 @@
         </a:solidFill>
         <a:effectLst/>
         <a:uFillTx/>
-        <a:latin typeface="+mn-lt"/>
-        <a:ea typeface="+mn-ea"/>
-        <a:cs typeface="+mn-cs"/>
+        <a:latin typeface="Helvetica Light"/>
+        <a:ea typeface="Helvetica Light"/>
+        <a:cs typeface="Helvetica Light"/>
         <a:sym typeface="Helvetica Light"/>
       </a:defRPr>
     </a:lvl1pPr>
-    <a:lvl2pPr marL="0" marR="0" indent="228600" algn="ctr" defTabSz="584200" rtl="0" fontAlgn="auto" latinLnBrk="0" hangingPunct="0">
+    <a:lvl2pPr marL="0" marR="0" indent="0" algn="ctr" defTabSz="584200" rtl="0" fontAlgn="auto" latinLnBrk="0" hangingPunct="0">
       <a:lnSpc>
         <a:spcPct val="100000"/>
       </a:lnSpc>
@@ -98,13 +99,13 @@
         </a:solidFill>
         <a:effectLst/>
         <a:uFillTx/>
-        <a:latin typeface="+mn-lt"/>
-        <a:ea typeface="+mn-ea"/>
-        <a:cs typeface="+mn-cs"/>
+        <a:latin typeface="Helvetica Light"/>
+        <a:ea typeface="Helvetica Light"/>
+        <a:cs typeface="Helvetica Light"/>
         <a:sym typeface="Helvetica Light"/>
       </a:defRPr>
     </a:lvl2pPr>
-    <a:lvl3pPr marL="0" marR="0" indent="457200" algn="ctr" defTabSz="584200" rtl="0" fontAlgn="auto" latinLnBrk="0" hangingPunct="0">
+    <a:lvl3pPr marL="0" marR="0" indent="0" algn="ctr" defTabSz="584200" rtl="0" fontAlgn="auto" latinLnBrk="0" hangingPunct="0">
       <a:lnSpc>
         <a:spcPct val="100000"/>
       </a:lnSpc>
@@ -128,13 +129,13 @@
         </a:solidFill>
         <a:effectLst/>
         <a:uFillTx/>
-        <a:latin typeface="+mn-lt"/>
-        <a:ea typeface="+mn-ea"/>
-        <a:cs typeface="+mn-cs"/>
+        <a:latin typeface="Helvetica Light"/>
+        <a:ea typeface="Helvetica Light"/>
+        <a:cs typeface="Helvetica Light"/>
         <a:sym typeface="Helvetica Light"/>
       </a:defRPr>
     </a:lvl3pPr>
-    <a:lvl4pPr marL="0" marR="0" indent="685800" algn="ctr" defTabSz="584200" rtl="0" fontAlgn="auto" latinLnBrk="0" hangingPunct="0">
+    <a:lvl4pPr marL="0" marR="0" indent="0" algn="ctr" defTabSz="584200" rtl="0" fontAlgn="auto" latinLnBrk="0" hangingPunct="0">
       <a:lnSpc>
         <a:spcPct val="100000"/>
       </a:lnSpc>
@@ -158,13 +159,13 @@
         </a:solidFill>
         <a:effectLst/>
         <a:uFillTx/>
-        <a:latin typeface="+mn-lt"/>
-        <a:ea typeface="+mn-ea"/>
-        <a:cs typeface="+mn-cs"/>
+        <a:latin typeface="Helvetica Light"/>
+        <a:ea typeface="Helvetica Light"/>
+        <a:cs typeface="Helvetica Light"/>
         <a:sym typeface="Helvetica Light"/>
       </a:defRPr>
     </a:lvl4pPr>
-    <a:lvl5pPr marL="0" marR="0" indent="914400" algn="ctr" defTabSz="584200" rtl="0" fontAlgn="auto" latinLnBrk="0" hangingPunct="0">
+    <a:lvl5pPr marL="0" marR="0" indent="0" algn="ctr" defTabSz="584200" rtl="0" fontAlgn="auto" latinLnBrk="0" hangingPunct="0">
       <a:lnSpc>
         <a:spcPct val="100000"/>
       </a:lnSpc>
@@ -188,13 +189,13 @@
         </a:solidFill>
         <a:effectLst/>
         <a:uFillTx/>
-        <a:latin typeface="+mn-lt"/>
-        <a:ea typeface="+mn-ea"/>
-        <a:cs typeface="+mn-cs"/>
+        <a:latin typeface="Helvetica Light"/>
+        <a:ea typeface="Helvetica Light"/>
+        <a:cs typeface="Helvetica Light"/>
         <a:sym typeface="Helvetica Light"/>
       </a:defRPr>
     </a:lvl5pPr>
-    <a:lvl6pPr marL="0" marR="0" indent="1143000" algn="ctr" defTabSz="584200" rtl="0" fontAlgn="auto" latinLnBrk="0" hangingPunct="0">
+    <a:lvl6pPr marL="0" marR="0" indent="0" algn="ctr" defTabSz="584200" rtl="0" fontAlgn="auto" latinLnBrk="0" hangingPunct="0">
       <a:lnSpc>
         <a:spcPct val="100000"/>
       </a:lnSpc>
@@ -218,13 +219,13 @@
         </a:solidFill>
         <a:effectLst/>
         <a:uFillTx/>
-        <a:latin typeface="+mn-lt"/>
-        <a:ea typeface="+mn-ea"/>
-        <a:cs typeface="+mn-cs"/>
+        <a:latin typeface="Helvetica Light"/>
+        <a:ea typeface="Helvetica Light"/>
+        <a:cs typeface="Helvetica Light"/>
         <a:sym typeface="Helvetica Light"/>
       </a:defRPr>
     </a:lvl6pPr>
-    <a:lvl7pPr marL="0" marR="0" indent="1371600" algn="ctr" defTabSz="584200" rtl="0" fontAlgn="auto" latinLnBrk="0" hangingPunct="0">
+    <a:lvl7pPr marL="0" marR="0" indent="0" algn="ctr" defTabSz="584200" rtl="0" fontAlgn="auto" latinLnBrk="0" hangingPunct="0">
       <a:lnSpc>
         <a:spcPct val="100000"/>
       </a:lnSpc>
@@ -248,13 +249,13 @@
         </a:solidFill>
         <a:effectLst/>
         <a:uFillTx/>
-        <a:latin typeface="+mn-lt"/>
-        <a:ea typeface="+mn-ea"/>
-        <a:cs typeface="+mn-cs"/>
+        <a:latin typeface="Helvetica Light"/>
+        <a:ea typeface="Helvetica Light"/>
+        <a:cs typeface="Helvetica Light"/>
         <a:sym typeface="Helvetica Light"/>
       </a:defRPr>
     </a:lvl7pPr>
-    <a:lvl8pPr marL="0" marR="0" indent="1600200" algn="ctr" defTabSz="584200" rtl="0" fontAlgn="auto" latinLnBrk="0" hangingPunct="0">
+    <a:lvl8pPr marL="0" marR="0" indent="0" algn="ctr" defTabSz="584200" rtl="0" fontAlgn="auto" latinLnBrk="0" hangingPunct="0">
       <a:lnSpc>
         <a:spcPct val="100000"/>
       </a:lnSpc>
@@ -278,13 +279,13 @@
         </a:solidFill>
         <a:effectLst/>
         <a:uFillTx/>
-        <a:latin typeface="+mn-lt"/>
-        <a:ea typeface="+mn-ea"/>
-        <a:cs typeface="+mn-cs"/>
+        <a:latin typeface="Helvetica Light"/>
+        <a:ea typeface="Helvetica Light"/>
+        <a:cs typeface="Helvetica Light"/>
         <a:sym typeface="Helvetica Light"/>
       </a:defRPr>
     </a:lvl8pPr>
-    <a:lvl9pPr marL="0" marR="0" indent="1828800" algn="ctr" defTabSz="584200" rtl="0" fontAlgn="auto" latinLnBrk="0" hangingPunct="0">
+    <a:lvl9pPr marL="0" marR="0" indent="0" algn="ctr" defTabSz="584200" rtl="0" fontAlgn="auto" latinLnBrk="0" hangingPunct="0">
       <a:lnSpc>
         <a:spcPct val="100000"/>
       </a:lnSpc>
@@ -308,9 +309,9 @@
         </a:solidFill>
         <a:effectLst/>
         <a:uFillTx/>
-        <a:latin typeface="+mn-lt"/>
-        <a:ea typeface="+mn-ea"/>
-        <a:cs typeface="+mn-cs"/>
+        <a:latin typeface="Helvetica Light"/>
+        <a:ea typeface="Helvetica Light"/>
+        <a:cs typeface="Helvetica Light"/>
         <a:sym typeface="Helvetica Light"/>
       </a:defRPr>
     </a:lvl9pPr>
@@ -398,9 +399,9 @@
         <a:spcPct val="117999"/>
       </a:lnSpc>
       <a:defRPr sz="2200">
-        <a:latin typeface="Helvetica Neue"/>
-        <a:ea typeface="Helvetica Neue"/>
-        <a:cs typeface="Helvetica Neue"/>
+        <a:latin typeface="+mn-lt"/>
+        <a:ea typeface="+mn-ea"/>
+        <a:cs typeface="+mn-cs"/>
         <a:sym typeface="Helvetica Neue"/>
       </a:defRPr>
     </a:lvl1pPr>
@@ -409,9 +410,9 @@
         <a:spcPct val="117999"/>
       </a:lnSpc>
       <a:defRPr sz="2200">
-        <a:latin typeface="Helvetica Neue"/>
-        <a:ea typeface="Helvetica Neue"/>
-        <a:cs typeface="Helvetica Neue"/>
+        <a:latin typeface="+mn-lt"/>
+        <a:ea typeface="+mn-ea"/>
+        <a:cs typeface="+mn-cs"/>
         <a:sym typeface="Helvetica Neue"/>
       </a:defRPr>
     </a:lvl2pPr>
@@ -420,9 +421,9 @@
         <a:spcPct val="117999"/>
       </a:lnSpc>
       <a:defRPr sz="2200">
-        <a:latin typeface="Helvetica Neue"/>
-        <a:ea typeface="Helvetica Neue"/>
-        <a:cs typeface="Helvetica Neue"/>
+        <a:latin typeface="+mn-lt"/>
+        <a:ea typeface="+mn-ea"/>
+        <a:cs typeface="+mn-cs"/>
         <a:sym typeface="Helvetica Neue"/>
       </a:defRPr>
     </a:lvl3pPr>
@@ -431,9 +432,9 @@
         <a:spcPct val="117999"/>
       </a:lnSpc>
       <a:defRPr sz="2200">
-        <a:latin typeface="Helvetica Neue"/>
-        <a:ea typeface="Helvetica Neue"/>
-        <a:cs typeface="Helvetica Neue"/>
+        <a:latin typeface="+mn-lt"/>
+        <a:ea typeface="+mn-ea"/>
+        <a:cs typeface="+mn-cs"/>
         <a:sym typeface="Helvetica Neue"/>
       </a:defRPr>
     </a:lvl4pPr>
@@ -442,9 +443,9 @@
         <a:spcPct val="117999"/>
       </a:lnSpc>
       <a:defRPr sz="2200">
-        <a:latin typeface="Helvetica Neue"/>
-        <a:ea typeface="Helvetica Neue"/>
-        <a:cs typeface="Helvetica Neue"/>
+        <a:latin typeface="+mn-lt"/>
+        <a:ea typeface="+mn-ea"/>
+        <a:cs typeface="+mn-cs"/>
         <a:sym typeface="Helvetica Neue"/>
       </a:defRPr>
     </a:lvl5pPr>
@@ -453,9 +454,9 @@
         <a:spcPct val="117999"/>
       </a:lnSpc>
       <a:defRPr sz="2200">
-        <a:latin typeface="Helvetica Neue"/>
-        <a:ea typeface="Helvetica Neue"/>
-        <a:cs typeface="Helvetica Neue"/>
+        <a:latin typeface="+mn-lt"/>
+        <a:ea typeface="+mn-ea"/>
+        <a:cs typeface="+mn-cs"/>
         <a:sym typeface="Helvetica Neue"/>
       </a:defRPr>
     </a:lvl6pPr>
@@ -464,9 +465,9 @@
         <a:spcPct val="117999"/>
       </a:lnSpc>
       <a:defRPr sz="2200">
-        <a:latin typeface="Helvetica Neue"/>
-        <a:ea typeface="Helvetica Neue"/>
-        <a:cs typeface="Helvetica Neue"/>
+        <a:latin typeface="+mn-lt"/>
+        <a:ea typeface="+mn-ea"/>
+        <a:cs typeface="+mn-cs"/>
         <a:sym typeface="Helvetica Neue"/>
       </a:defRPr>
     </a:lvl7pPr>
@@ -475,9 +476,9 @@
         <a:spcPct val="117999"/>
       </a:lnSpc>
       <a:defRPr sz="2200">
-        <a:latin typeface="Helvetica Neue"/>
-        <a:ea typeface="Helvetica Neue"/>
-        <a:cs typeface="Helvetica Neue"/>
+        <a:latin typeface="+mn-lt"/>
+        <a:ea typeface="+mn-ea"/>
+        <a:cs typeface="+mn-cs"/>
         <a:sym typeface="Helvetica Neue"/>
       </a:defRPr>
     </a:lvl8pPr>
@@ -486,9 +487,9 @@
         <a:spcPct val="117999"/>
       </a:lnSpc>
       <a:defRPr sz="2200">
-        <a:latin typeface="Helvetica Neue"/>
-        <a:ea typeface="Helvetica Neue"/>
-        <a:cs typeface="Helvetica Neue"/>
+        <a:latin typeface="+mn-lt"/>
+        <a:ea typeface="+mn-ea"/>
+        <a:cs typeface="+mn-cs"/>
         <a:sym typeface="Helvetica Neue"/>
       </a:defRPr>
     </a:lvl9pPr>
@@ -569,7 +570,7 @@
               <a:buNone/>
               <a:defRPr sz="3200"/>
             </a:lvl1pPr>
-            <a:lvl2pPr marL="0" indent="228600" algn="ctr">
+            <a:lvl2pPr marL="0" indent="0" algn="ctr">
               <a:spcBef>
                 <a:spcPts val="0"/>
               </a:spcBef>
@@ -577,7 +578,7 @@
               <a:buNone/>
               <a:defRPr sz="3200"/>
             </a:lvl2pPr>
-            <a:lvl3pPr marL="0" indent="457200" algn="ctr">
+            <a:lvl3pPr marL="0" indent="0" algn="ctr">
               <a:spcBef>
                 <a:spcPts val="0"/>
               </a:spcBef>
@@ -585,7 +586,7 @@
               <a:buNone/>
               <a:defRPr sz="3200"/>
             </a:lvl3pPr>
-            <a:lvl4pPr marL="0" indent="685800" algn="ctr">
+            <a:lvl4pPr marL="0" indent="0" algn="ctr">
               <a:spcBef>
                 <a:spcPts val="0"/>
               </a:spcBef>
@@ -593,7 +594,7 @@
               <a:buNone/>
               <a:defRPr sz="3200"/>
             </a:lvl4pPr>
-            <a:lvl5pPr marL="0" indent="914400" algn="ctr">
+            <a:lvl5pPr marL="0" indent="0" algn="ctr">
               <a:spcBef>
                 <a:spcPts val="0"/>
               </a:spcBef>
@@ -687,7 +688,7 @@
           <p:cNvPr id="93" name="Shape 93"/>
           <p:cNvSpPr/>
           <p:nvPr>
-            <p:ph type="body" sz="quarter" idx="13"/>
+            <p:ph type="body" sz="quarter" idx="1"/>
           </p:nvPr>
         </p:nvSpPr>
         <p:spPr>
@@ -700,9 +701,7 @@
           </a:prstGeom>
         </p:spPr>
         <p:txBody>
-          <a:bodyPr anchor="t">
-            <a:spAutoFit/>
-          </a:bodyPr>
+          <a:bodyPr anchor="t"/>
           <a:lstStyle>
             <a:lvl1pPr marL="0" indent="0" algn="ctr">
               <a:spcBef>
@@ -711,17 +710,85 @@
               <a:buSzTx/>
               <a:buNone/>
               <a:defRPr sz="2400">
-                <a:latin typeface="Helvetica"/>
-                <a:ea typeface="Helvetica"/>
-                <a:cs typeface="Helvetica"/>
+                <a:latin typeface="+mj-lt"/>
+                <a:ea typeface="+mj-ea"/>
+                <a:cs typeface="+mj-cs"/>
                 <a:sym typeface="Helvetica"/>
               </a:defRPr>
             </a:lvl1pPr>
+            <a:lvl2pPr marL="740833" indent="-296333" algn="ctr">
+              <a:spcBef>
+                <a:spcPts val="0"/>
+              </a:spcBef>
+              <a:defRPr sz="2400">
+                <a:latin typeface="+mj-lt"/>
+                <a:ea typeface="+mj-ea"/>
+                <a:cs typeface="+mj-cs"/>
+                <a:sym typeface="Helvetica"/>
+              </a:defRPr>
+            </a:lvl2pPr>
+            <a:lvl3pPr marL="1185333" indent="-296333" algn="ctr">
+              <a:spcBef>
+                <a:spcPts val="0"/>
+              </a:spcBef>
+              <a:defRPr sz="2400">
+                <a:latin typeface="+mj-lt"/>
+                <a:ea typeface="+mj-ea"/>
+                <a:cs typeface="+mj-cs"/>
+                <a:sym typeface="Helvetica"/>
+              </a:defRPr>
+            </a:lvl3pPr>
+            <a:lvl4pPr marL="1629833" indent="-296333" algn="ctr">
+              <a:spcBef>
+                <a:spcPts val="0"/>
+              </a:spcBef>
+              <a:defRPr sz="2400">
+                <a:latin typeface="+mj-lt"/>
+                <a:ea typeface="+mj-ea"/>
+                <a:cs typeface="+mj-cs"/>
+                <a:sym typeface="Helvetica"/>
+              </a:defRPr>
+            </a:lvl4pPr>
+            <a:lvl5pPr marL="2074333" indent="-296333" algn="ctr">
+              <a:spcBef>
+                <a:spcPts val="0"/>
+              </a:spcBef>
+              <a:defRPr sz="2400">
+                <a:latin typeface="+mj-lt"/>
+                <a:ea typeface="+mj-ea"/>
+                <a:cs typeface="+mj-cs"/>
+                <a:sym typeface="Helvetica"/>
+              </a:defRPr>
+            </a:lvl5pPr>
           </a:lstStyle>
           <a:p>
             <a:pPr/>
             <a:r>
-              <a:t>–Johnny Appleseed</a:t>
+              <a:t>Body Level One</a:t>
+            </a:r>
+          </a:p>
+          <a:p>
+            <a:pPr lvl="1"/>
+            <a:r>
+              <a:t>Body Level Two</a:t>
+            </a:r>
+          </a:p>
+          <a:p>
+            <a:pPr lvl="2"/>
+            <a:r>
+              <a:t>Body Level Three</a:t>
+            </a:r>
+          </a:p>
+          <a:p>
+            <a:pPr lvl="3"/>
+            <a:r>
+              <a:t>Body Level Four</a:t>
+            </a:r>
+          </a:p>
+          <a:p>
+            <a:pPr lvl="4"/>
+            <a:r>
+              <a:t>Body Level Five</a:t>
             </a:r>
           </a:p>
         </p:txBody>
@@ -731,7 +798,7 @@
           <p:cNvPr id="94" name="Shape 94"/>
           <p:cNvSpPr/>
           <p:nvPr>
-            <p:ph type="body" sz="quarter" idx="14"/>
+            <p:ph type="body" sz="quarter" idx="13"/>
           </p:nvPr>
         </p:nvSpPr>
         <p:spPr>
@@ -744,24 +811,17 @@
           </a:prstGeom>
         </p:spPr>
         <p:txBody>
-          <a:bodyPr>
-            <a:spAutoFit/>
-          </a:bodyPr>
-          <a:lstStyle>
-            <a:lvl1pPr marL="0" indent="0" algn="ctr">
+          <a:bodyPr/>
+          <a:lstStyle/>
+          <a:p>
+            <a:pPr marL="0" indent="0" algn="ctr">
               <a:spcBef>
                 <a:spcPts val="0"/>
               </a:spcBef>
               <a:buSzTx/>
               <a:buNone/>
               <a:defRPr sz="3800"/>
-            </a:lvl1pPr>
-          </a:lstStyle>
-          <a:p>
-            <a:pPr/>
-            <a:r>
-              <a:t>“Type a quote here.” </a:t>
-            </a:r>
+            </a:pPr>
           </a:p>
         </p:txBody>
       </p:sp>
@@ -1019,7 +1079,7 @@
               <a:buNone/>
               <a:defRPr sz="3200"/>
             </a:lvl1pPr>
-            <a:lvl2pPr marL="0" indent="228600" algn="ctr">
+            <a:lvl2pPr marL="0" indent="0" algn="ctr">
               <a:spcBef>
                 <a:spcPts val="0"/>
               </a:spcBef>
@@ -1027,7 +1087,7 @@
               <a:buNone/>
               <a:defRPr sz="3200"/>
             </a:lvl2pPr>
-            <a:lvl3pPr marL="0" indent="457200" algn="ctr">
+            <a:lvl3pPr marL="0" indent="0" algn="ctr">
               <a:spcBef>
                 <a:spcPts val="0"/>
               </a:spcBef>
@@ -1035,7 +1095,7 @@
               <a:buNone/>
               <a:defRPr sz="3200"/>
             </a:lvl3pPr>
-            <a:lvl4pPr marL="0" indent="685800" algn="ctr">
+            <a:lvl4pPr marL="0" indent="0" algn="ctr">
               <a:spcBef>
                 <a:spcPts val="0"/>
               </a:spcBef>
@@ -1043,7 +1103,7 @@
               <a:buNone/>
               <a:defRPr sz="3200"/>
             </a:lvl4pPr>
-            <a:lvl5pPr marL="0" indent="914400" algn="ctr">
+            <a:lvl5pPr marL="0" indent="0" algn="ctr">
               <a:spcBef>
                 <a:spcPts val="0"/>
               </a:spcBef>
@@ -1299,7 +1359,7 @@
               <a:buNone/>
               <a:defRPr sz="3200"/>
             </a:lvl1pPr>
-            <a:lvl2pPr marL="0" indent="228600" algn="ctr">
+            <a:lvl2pPr marL="0" indent="0" algn="ctr">
               <a:spcBef>
                 <a:spcPts val="0"/>
               </a:spcBef>
@@ -1307,7 +1367,7 @@
               <a:buNone/>
               <a:defRPr sz="3200"/>
             </a:lvl2pPr>
-            <a:lvl3pPr marL="0" indent="457200" algn="ctr">
+            <a:lvl3pPr marL="0" indent="0" algn="ctr">
               <a:spcBef>
                 <a:spcPts val="0"/>
               </a:spcBef>
@@ -1315,7 +1375,7 @@
               <a:buNone/>
               <a:defRPr sz="3200"/>
             </a:lvl3pPr>
-            <a:lvl4pPr marL="0" indent="685800" algn="ctr">
+            <a:lvl4pPr marL="0" indent="0" algn="ctr">
               <a:spcBef>
                 <a:spcPts val="0"/>
               </a:spcBef>
@@ -1323,7 +1383,7 @@
               <a:buNone/>
               <a:defRPr sz="3200"/>
             </a:lvl4pPr>
-            <a:lvl5pPr marL="0" indent="914400" algn="ctr">
+            <a:lvl5pPr marL="0" indent="0" algn="ctr">
               <a:spcBef>
                 <a:spcPts val="0"/>
               </a:spcBef>
@@ -1924,7 +1984,7 @@
         <p:spPr>
           <a:xfrm>
             <a:off x="6724518" y="889000"/>
-            <a:ext cx="5334001" cy="3771900"/>
+            <a:ext cx="5334002" cy="3771900"/>
           </a:xfrm>
           <a:prstGeom prst="rect">
             <a:avLst/>
@@ -2200,13 +2260,13 @@
             <a:srgbClr val="000000"/>
           </a:solidFill>
           <a:uFillTx/>
-          <a:latin typeface="+mn-lt"/>
-          <a:ea typeface="+mn-ea"/>
-          <a:cs typeface="+mn-cs"/>
+          <a:latin typeface="Helvetica Light"/>
+          <a:ea typeface="Helvetica Light"/>
+          <a:cs typeface="Helvetica Light"/>
           <a:sym typeface="Helvetica Light"/>
         </a:defRPr>
       </a:lvl1pPr>
-      <a:lvl2pPr marL="0" marR="0" indent="228600" algn="ctr" defTabSz="584200" rtl="0" latinLnBrk="0">
+      <a:lvl2pPr marL="0" marR="0" indent="0" algn="ctr" defTabSz="584200" rtl="0" latinLnBrk="0">
         <a:lnSpc>
           <a:spcPct val="100000"/>
         </a:lnSpc>
@@ -2229,13 +2289,13 @@
             <a:srgbClr val="000000"/>
           </a:solidFill>
           <a:uFillTx/>
-          <a:latin typeface="+mn-lt"/>
-          <a:ea typeface="+mn-ea"/>
-          <a:cs typeface="+mn-cs"/>
+          <a:latin typeface="Helvetica Light"/>
+          <a:ea typeface="Helvetica Light"/>
+          <a:cs typeface="Helvetica Light"/>
           <a:sym typeface="Helvetica Light"/>
         </a:defRPr>
       </a:lvl2pPr>
-      <a:lvl3pPr marL="0" marR="0" indent="457200" algn="ctr" defTabSz="584200" rtl="0" latinLnBrk="0">
+      <a:lvl3pPr marL="0" marR="0" indent="0" algn="ctr" defTabSz="584200" rtl="0" latinLnBrk="0">
         <a:lnSpc>
           <a:spcPct val="100000"/>
         </a:lnSpc>
@@ -2258,13 +2318,13 @@
             <a:srgbClr val="000000"/>
           </a:solidFill>
           <a:uFillTx/>
-          <a:latin typeface="+mn-lt"/>
-          <a:ea typeface="+mn-ea"/>
-          <a:cs typeface="+mn-cs"/>
+          <a:latin typeface="Helvetica Light"/>
+          <a:ea typeface="Helvetica Light"/>
+          <a:cs typeface="Helvetica Light"/>
           <a:sym typeface="Helvetica Light"/>
         </a:defRPr>
       </a:lvl3pPr>
-      <a:lvl4pPr marL="0" marR="0" indent="685800" algn="ctr" defTabSz="584200" rtl="0" latinLnBrk="0">
+      <a:lvl4pPr marL="0" marR="0" indent="0" algn="ctr" defTabSz="584200" rtl="0" latinLnBrk="0">
         <a:lnSpc>
           <a:spcPct val="100000"/>
         </a:lnSpc>
@@ -2287,13 +2347,13 @@
             <a:srgbClr val="000000"/>
           </a:solidFill>
           <a:uFillTx/>
-          <a:latin typeface="+mn-lt"/>
-          <a:ea typeface="+mn-ea"/>
-          <a:cs typeface="+mn-cs"/>
+          <a:latin typeface="Helvetica Light"/>
+          <a:ea typeface="Helvetica Light"/>
+          <a:cs typeface="Helvetica Light"/>
           <a:sym typeface="Helvetica Light"/>
         </a:defRPr>
       </a:lvl4pPr>
-      <a:lvl5pPr marL="0" marR="0" indent="914400" algn="ctr" defTabSz="584200" rtl="0" latinLnBrk="0">
+      <a:lvl5pPr marL="0" marR="0" indent="0" algn="ctr" defTabSz="584200" rtl="0" latinLnBrk="0">
         <a:lnSpc>
           <a:spcPct val="100000"/>
         </a:lnSpc>
@@ -2316,13 +2376,13 @@
             <a:srgbClr val="000000"/>
           </a:solidFill>
           <a:uFillTx/>
-          <a:latin typeface="+mn-lt"/>
-          <a:ea typeface="+mn-ea"/>
-          <a:cs typeface="+mn-cs"/>
+          <a:latin typeface="Helvetica Light"/>
+          <a:ea typeface="Helvetica Light"/>
+          <a:cs typeface="Helvetica Light"/>
           <a:sym typeface="Helvetica Light"/>
         </a:defRPr>
       </a:lvl5pPr>
-      <a:lvl6pPr marL="0" marR="0" indent="1143000" algn="ctr" defTabSz="584200" rtl="0" latinLnBrk="0">
+      <a:lvl6pPr marL="0" marR="0" indent="0" algn="ctr" defTabSz="584200" rtl="0" latinLnBrk="0">
         <a:lnSpc>
           <a:spcPct val="100000"/>
         </a:lnSpc>
@@ -2345,13 +2405,13 @@
             <a:srgbClr val="000000"/>
           </a:solidFill>
           <a:uFillTx/>
-          <a:latin typeface="+mn-lt"/>
-          <a:ea typeface="+mn-ea"/>
-          <a:cs typeface="+mn-cs"/>
+          <a:latin typeface="Helvetica Light"/>
+          <a:ea typeface="Helvetica Light"/>
+          <a:cs typeface="Helvetica Light"/>
           <a:sym typeface="Helvetica Light"/>
         </a:defRPr>
       </a:lvl6pPr>
-      <a:lvl7pPr marL="0" marR="0" indent="1371600" algn="ctr" defTabSz="584200" rtl="0" latinLnBrk="0">
+      <a:lvl7pPr marL="0" marR="0" indent="0" algn="ctr" defTabSz="584200" rtl="0" latinLnBrk="0">
         <a:lnSpc>
           <a:spcPct val="100000"/>
         </a:lnSpc>
@@ -2374,13 +2434,13 @@
             <a:srgbClr val="000000"/>
           </a:solidFill>
           <a:uFillTx/>
-          <a:latin typeface="+mn-lt"/>
-          <a:ea typeface="+mn-ea"/>
-          <a:cs typeface="+mn-cs"/>
+          <a:latin typeface="Helvetica Light"/>
+          <a:ea typeface="Helvetica Light"/>
+          <a:cs typeface="Helvetica Light"/>
           <a:sym typeface="Helvetica Light"/>
         </a:defRPr>
       </a:lvl7pPr>
-      <a:lvl8pPr marL="0" marR="0" indent="1600200" algn="ctr" defTabSz="584200" rtl="0" latinLnBrk="0">
+      <a:lvl8pPr marL="0" marR="0" indent="0" algn="ctr" defTabSz="584200" rtl="0" latinLnBrk="0">
         <a:lnSpc>
           <a:spcPct val="100000"/>
         </a:lnSpc>
@@ -2403,13 +2463,13 @@
             <a:srgbClr val="000000"/>
           </a:solidFill>
           <a:uFillTx/>
-          <a:latin typeface="+mn-lt"/>
-          <a:ea typeface="+mn-ea"/>
-          <a:cs typeface="+mn-cs"/>
+          <a:latin typeface="Helvetica Light"/>
+          <a:ea typeface="Helvetica Light"/>
+          <a:cs typeface="Helvetica Light"/>
           <a:sym typeface="Helvetica Light"/>
         </a:defRPr>
       </a:lvl8pPr>
-      <a:lvl9pPr marL="0" marR="0" indent="1828800" algn="ctr" defTabSz="584200" rtl="0" latinLnBrk="0">
+      <a:lvl9pPr marL="0" marR="0" indent="0" algn="ctr" defTabSz="584200" rtl="0" latinLnBrk="0">
         <a:lnSpc>
           <a:spcPct val="100000"/>
         </a:lnSpc>
@@ -2432,9 +2492,9 @@
             <a:srgbClr val="000000"/>
           </a:solidFill>
           <a:uFillTx/>
-          <a:latin typeface="+mn-lt"/>
-          <a:ea typeface="+mn-ea"/>
-          <a:cs typeface="+mn-cs"/>
+          <a:latin typeface="Helvetica Light"/>
+          <a:ea typeface="Helvetica Light"/>
+          <a:cs typeface="Helvetica Light"/>
           <a:sym typeface="Helvetica Light"/>
         </a:defRPr>
       </a:lvl9pPr>
@@ -2463,9 +2523,9 @@
             <a:srgbClr val="000000"/>
           </a:solidFill>
           <a:uFillTx/>
-          <a:latin typeface="+mn-lt"/>
-          <a:ea typeface="+mn-ea"/>
-          <a:cs typeface="+mn-cs"/>
+          <a:latin typeface="Helvetica Light"/>
+          <a:ea typeface="Helvetica Light"/>
+          <a:cs typeface="Helvetica Light"/>
           <a:sym typeface="Helvetica Light"/>
         </a:defRPr>
       </a:lvl1pPr>
@@ -2492,9 +2552,9 @@
             <a:srgbClr val="000000"/>
           </a:solidFill>
           <a:uFillTx/>
-          <a:latin typeface="+mn-lt"/>
-          <a:ea typeface="+mn-ea"/>
-          <a:cs typeface="+mn-cs"/>
+          <a:latin typeface="Helvetica Light"/>
+          <a:ea typeface="Helvetica Light"/>
+          <a:cs typeface="Helvetica Light"/>
           <a:sym typeface="Helvetica Light"/>
         </a:defRPr>
       </a:lvl2pPr>
@@ -2521,9 +2581,9 @@
             <a:srgbClr val="000000"/>
           </a:solidFill>
           <a:uFillTx/>
-          <a:latin typeface="+mn-lt"/>
-          <a:ea typeface="+mn-ea"/>
-          <a:cs typeface="+mn-cs"/>
+          <a:latin typeface="Helvetica Light"/>
+          <a:ea typeface="Helvetica Light"/>
+          <a:cs typeface="Helvetica Light"/>
           <a:sym typeface="Helvetica Light"/>
         </a:defRPr>
       </a:lvl3pPr>
@@ -2550,9 +2610,9 @@
             <a:srgbClr val="000000"/>
           </a:solidFill>
           <a:uFillTx/>
-          <a:latin typeface="+mn-lt"/>
-          <a:ea typeface="+mn-ea"/>
-          <a:cs typeface="+mn-cs"/>
+          <a:latin typeface="Helvetica Light"/>
+          <a:ea typeface="Helvetica Light"/>
+          <a:cs typeface="Helvetica Light"/>
           <a:sym typeface="Helvetica Light"/>
         </a:defRPr>
       </a:lvl4pPr>
@@ -2579,9 +2639,9 @@
             <a:srgbClr val="000000"/>
           </a:solidFill>
           <a:uFillTx/>
-          <a:latin typeface="+mn-lt"/>
-          <a:ea typeface="+mn-ea"/>
-          <a:cs typeface="+mn-cs"/>
+          <a:latin typeface="Helvetica Light"/>
+          <a:ea typeface="Helvetica Light"/>
+          <a:cs typeface="Helvetica Light"/>
           <a:sym typeface="Helvetica Light"/>
         </a:defRPr>
       </a:lvl5pPr>
@@ -2608,9 +2668,9 @@
             <a:srgbClr val="000000"/>
           </a:solidFill>
           <a:uFillTx/>
-          <a:latin typeface="+mn-lt"/>
-          <a:ea typeface="+mn-ea"/>
-          <a:cs typeface="+mn-cs"/>
+          <a:latin typeface="Helvetica Light"/>
+          <a:ea typeface="Helvetica Light"/>
+          <a:cs typeface="Helvetica Light"/>
           <a:sym typeface="Helvetica Light"/>
         </a:defRPr>
       </a:lvl6pPr>
@@ -2637,9 +2697,9 @@
             <a:srgbClr val="000000"/>
           </a:solidFill>
           <a:uFillTx/>
-          <a:latin typeface="+mn-lt"/>
-          <a:ea typeface="+mn-ea"/>
-          <a:cs typeface="+mn-cs"/>
+          <a:latin typeface="Helvetica Light"/>
+          <a:ea typeface="Helvetica Light"/>
+          <a:cs typeface="Helvetica Light"/>
           <a:sym typeface="Helvetica Light"/>
         </a:defRPr>
       </a:lvl7pPr>
@@ -2666,9 +2726,9 @@
             <a:srgbClr val="000000"/>
           </a:solidFill>
           <a:uFillTx/>
-          <a:latin typeface="+mn-lt"/>
-          <a:ea typeface="+mn-ea"/>
-          <a:cs typeface="+mn-cs"/>
+          <a:latin typeface="Helvetica Light"/>
+          <a:ea typeface="Helvetica Light"/>
+          <a:cs typeface="Helvetica Light"/>
           <a:sym typeface="Helvetica Light"/>
         </a:defRPr>
       </a:lvl8pPr>
@@ -2695,9 +2755,9 @@
             <a:srgbClr val="000000"/>
           </a:solidFill>
           <a:uFillTx/>
-          <a:latin typeface="+mn-lt"/>
-          <a:ea typeface="+mn-ea"/>
-          <a:cs typeface="+mn-cs"/>
+          <a:latin typeface="Helvetica Light"/>
+          <a:ea typeface="Helvetica Light"/>
+          <a:cs typeface="Helvetica Light"/>
           <a:sym typeface="Helvetica Light"/>
         </a:defRPr>
       </a:lvl9pPr>
@@ -2732,7 +2792,7 @@
           <a:sym typeface="Helvetica Light"/>
         </a:defRPr>
       </a:lvl1pPr>
-      <a:lvl2pPr marL="0" marR="0" indent="228600" algn="ctr" defTabSz="584200" rtl="0" latinLnBrk="0">
+      <a:lvl2pPr marL="0" marR="0" indent="0" algn="ctr" defTabSz="584200" rtl="0" latinLnBrk="0">
         <a:lnSpc>
           <a:spcPct val="100000"/>
         </a:lnSpc>
@@ -2761,7 +2821,7 @@
           <a:sym typeface="Helvetica Light"/>
         </a:defRPr>
       </a:lvl2pPr>
-      <a:lvl3pPr marL="0" marR="0" indent="457200" algn="ctr" defTabSz="584200" rtl="0" latinLnBrk="0">
+      <a:lvl3pPr marL="0" marR="0" indent="0" algn="ctr" defTabSz="584200" rtl="0" latinLnBrk="0">
         <a:lnSpc>
           <a:spcPct val="100000"/>
         </a:lnSpc>
@@ -2790,7 +2850,7 @@
           <a:sym typeface="Helvetica Light"/>
         </a:defRPr>
       </a:lvl3pPr>
-      <a:lvl4pPr marL="0" marR="0" indent="685800" algn="ctr" defTabSz="584200" rtl="0" latinLnBrk="0">
+      <a:lvl4pPr marL="0" marR="0" indent="0" algn="ctr" defTabSz="584200" rtl="0" latinLnBrk="0">
         <a:lnSpc>
           <a:spcPct val="100000"/>
         </a:lnSpc>
@@ -2819,7 +2879,7 @@
           <a:sym typeface="Helvetica Light"/>
         </a:defRPr>
       </a:lvl4pPr>
-      <a:lvl5pPr marL="0" marR="0" indent="914400" algn="ctr" defTabSz="584200" rtl="0" latinLnBrk="0">
+      <a:lvl5pPr marL="0" marR="0" indent="0" algn="ctr" defTabSz="584200" rtl="0" latinLnBrk="0">
         <a:lnSpc>
           <a:spcPct val="100000"/>
         </a:lnSpc>
@@ -2848,7 +2908,7 @@
           <a:sym typeface="Helvetica Light"/>
         </a:defRPr>
       </a:lvl5pPr>
-      <a:lvl6pPr marL="0" marR="0" indent="1143000" algn="ctr" defTabSz="584200" rtl="0" latinLnBrk="0">
+      <a:lvl6pPr marL="0" marR="0" indent="0" algn="ctr" defTabSz="584200" rtl="0" latinLnBrk="0">
         <a:lnSpc>
           <a:spcPct val="100000"/>
         </a:lnSpc>
@@ -2877,7 +2937,7 @@
           <a:sym typeface="Helvetica Light"/>
         </a:defRPr>
       </a:lvl6pPr>
-      <a:lvl7pPr marL="0" marR="0" indent="1371600" algn="ctr" defTabSz="584200" rtl="0" latinLnBrk="0">
+      <a:lvl7pPr marL="0" marR="0" indent="0" algn="ctr" defTabSz="584200" rtl="0" latinLnBrk="0">
         <a:lnSpc>
           <a:spcPct val="100000"/>
         </a:lnSpc>
@@ -2906,7 +2966,7 @@
           <a:sym typeface="Helvetica Light"/>
         </a:defRPr>
       </a:lvl7pPr>
-      <a:lvl8pPr marL="0" marR="0" indent="1600200" algn="ctr" defTabSz="584200" rtl="0" latinLnBrk="0">
+      <a:lvl8pPr marL="0" marR="0" indent="0" algn="ctr" defTabSz="584200" rtl="0" latinLnBrk="0">
         <a:lnSpc>
           <a:spcPct val="100000"/>
         </a:lnSpc>
@@ -2935,7 +2995,7 @@
           <a:sym typeface="Helvetica Light"/>
         </a:defRPr>
       </a:lvl8pPr>
-      <a:lvl9pPr marL="0" marR="0" indent="1828800" algn="ctr" defTabSz="584200" rtl="0" latinLnBrk="0">
+      <a:lvl9pPr marL="0" marR="0" indent="0" algn="ctr" defTabSz="584200" rtl="0" latinLnBrk="0">
         <a:lnSpc>
           <a:spcPct val="100000"/>
         </a:lnSpc>
@@ -2996,8 +3056,8 @@
         </p:nvSpPr>
         <p:spPr>
           <a:xfrm>
-            <a:off x="952500" y="64634"/>
-            <a:ext cx="11099801" cy="1397787"/>
+            <a:off x="952499" y="64633"/>
+            <a:ext cx="11099803" cy="1397789"/>
           </a:xfrm>
           <a:prstGeom prst="rect">
             <a:avLst/>
@@ -3022,66 +3082,12 @@
         <p:nvSpPr>
           <p:cNvPr id="120" name="Shape 120"/>
           <p:cNvSpPr/>
-          <p:nvPr>
-            <p:ph type="body" idx="1"/>
-          </p:nvPr>
-        </p:nvSpPr>
-        <p:spPr>
-          <a:xfrm>
-            <a:off x="952500" y="2394743"/>
-            <a:ext cx="11099800" cy="6495257"/>
-          </a:xfrm>
-          <a:prstGeom prst="rect">
-            <a:avLst/>
-          </a:prstGeom>
-        </p:spPr>
-        <p:txBody>
-          <a:bodyPr/>
-          <a:lstStyle/>
-          <a:p>
-            <a:pPr/>
-          </a:p>
-        </p:txBody>
-      </p:sp>
-      <p:pic>
-        <p:nvPicPr>
-          <p:cNvPr id="121" name="pasted-image.png"/>
-          <p:cNvPicPr>
-            <a:picLocks noChangeAspect="1"/>
-          </p:cNvPicPr>
-          <p:nvPr/>
-        </p:nvPicPr>
-        <p:blipFill>
-          <a:blip r:embed="rId2">
-            <a:extLst/>
-          </a:blip>
-          <a:stretch>
-            <a:fillRect/>
-          </a:stretch>
-        </p:blipFill>
-        <p:spPr>
-          <a:xfrm>
-            <a:off x="0" y="1804205"/>
-            <a:ext cx="13004801" cy="7897790"/>
-          </a:xfrm>
-          <a:prstGeom prst="rect">
-            <a:avLst/>
-          </a:prstGeom>
-          <a:ln w="12700">
-            <a:miter lim="400000"/>
-          </a:ln>
-        </p:spPr>
-      </p:pic>
-      <p:sp>
-        <p:nvSpPr>
-          <p:cNvPr id="122" name="Shape 122"/>
-          <p:cNvSpPr/>
           <p:nvPr/>
         </p:nvSpPr>
         <p:spPr>
           <a:xfrm>
-            <a:off x="18082" y="1155700"/>
-            <a:ext cx="3771901" cy="736601"/>
+            <a:off x="966468" y="2872017"/>
+            <a:ext cx="1943101" cy="736601"/>
           </a:xfrm>
           <a:prstGeom prst="rect">
             <a:avLst/>
@@ -3103,7 +3109,178 @@
           <a:p>
             <a:pPr/>
             <a:r>
-              <a:t>打开一个工程文件</a:t>
+              <a:t>插件安装</a:t>
+            </a:r>
+          </a:p>
+        </p:txBody>
+      </p:sp>
+      <p:sp>
+        <p:nvSpPr>
+          <p:cNvPr id="121" name="Shape 121"/>
+          <p:cNvSpPr/>
+          <p:nvPr/>
+        </p:nvSpPr>
+        <p:spPr>
+          <a:xfrm>
+            <a:off x="927105" y="3754267"/>
+            <a:ext cx="8737550" cy="647701"/>
+          </a:xfrm>
+          <a:prstGeom prst="rect">
+            <a:avLst/>
+          </a:prstGeom>
+          <a:ln w="12700">
+            <a:miter lim="400000"/>
+          </a:ln>
+          <a:extLst>
+            <a:ext uri="{C572A759-6A51-4108-AA02-DFA0A04FC94B}">
+              <ma14:wrappingTextBoxFlag xmlns:ma14="http://schemas.microsoft.com/office/mac/drawingml/2011/main" val="1"/>
+            </a:ext>
+          </a:extLst>
+        </p:spPr>
+        <p:txBody>
+          <a:bodyPr wrap="none" lIns="50800" tIns="50800" rIns="50800" bIns="50800" anchor="ctr">
+            <a:spAutoFit/>
+          </a:bodyPr>
+          <a:lstStyle/>
+          <a:p>
+            <a:pPr/>
+            <a:r>
+              <a:t>CssTrackerPlugin_1.0.0.201612191218.jar</a:t>
+            </a:r>
+          </a:p>
+        </p:txBody>
+      </p:sp>
+      <p:sp>
+        <p:nvSpPr>
+          <p:cNvPr id="122" name="Shape 122"/>
+          <p:cNvSpPr/>
+          <p:nvPr/>
+        </p:nvSpPr>
+        <p:spPr>
+          <a:xfrm>
+            <a:off x="965616" y="4547618"/>
+            <a:ext cx="10223907" cy="736601"/>
+          </a:xfrm>
+          <a:prstGeom prst="rect">
+            <a:avLst/>
+          </a:prstGeom>
+          <a:ln w="12700">
+            <a:miter lim="400000"/>
+          </a:ln>
+          <a:extLst>
+            <a:ext uri="{C572A759-6A51-4108-AA02-DFA0A04FC94B}">
+              <ma14:wrappingTextBoxFlag xmlns:ma14="http://schemas.microsoft.com/office/mac/drawingml/2011/main" val="1"/>
+            </a:ext>
+          </a:extLst>
+        </p:spPr>
+        <p:txBody>
+          <a:bodyPr wrap="none" lIns="50800" tIns="50800" rIns="50800" bIns="50800" anchor="ctr">
+            <a:spAutoFit/>
+          </a:bodyPr>
+          <a:lstStyle/>
+          <a:p>
+            <a:pPr/>
+            <a:r>
+              <a:t>将提供的jar包复制到eclipse的plugin文件夹下即可</a:t>
+            </a:r>
+          </a:p>
+        </p:txBody>
+      </p:sp>
+      <p:sp>
+        <p:nvSpPr>
+          <p:cNvPr id="123" name="Shape 123"/>
+          <p:cNvSpPr/>
+          <p:nvPr/>
+        </p:nvSpPr>
+        <p:spPr>
+          <a:xfrm>
+            <a:off x="1031343" y="5429868"/>
+            <a:ext cx="4280765" cy="2374901"/>
+          </a:xfrm>
+          <a:prstGeom prst="rect">
+            <a:avLst/>
+          </a:prstGeom>
+          <a:ln w="12700">
+            <a:miter lim="400000"/>
+          </a:ln>
+          <a:extLst>
+            <a:ext uri="{C572A759-6A51-4108-AA02-DFA0A04FC94B}">
+              <ma14:wrappingTextBoxFlag xmlns:ma14="http://schemas.microsoft.com/office/mac/drawingml/2011/main" val="1"/>
+            </a:ext>
+          </a:extLst>
+        </p:spPr>
+        <p:txBody>
+          <a:bodyPr wrap="none" lIns="50800" tIns="50800" rIns="50800" bIns="50800" anchor="ctr">
+            <a:spAutoFit/>
+          </a:bodyPr>
+          <a:lstStyle/>
+          <a:p>
+            <a:pPr algn="l"/>
+            <a:r>
+              <a:t>需要的包支持包括 </a:t>
+            </a:r>
+          </a:p>
+          <a:p>
+            <a:pPr algn="l"/>
+            <a:r>
+              <a:t>jsoup.jar </a:t>
+            </a:r>
+          </a:p>
+          <a:p>
+            <a:pPr algn="l"/>
+            <a:r>
+              <a:t>eclipse.jar </a:t>
+            </a:r>
+          </a:p>
+          <a:p>
+            <a:pPr algn="l"/>
+            <a:r>
+              <a:t>org.eclipse.ui.ide.jar</a:t>
+            </a:r>
+          </a:p>
+        </p:txBody>
+      </p:sp>
+      <p:sp>
+        <p:nvSpPr>
+          <p:cNvPr id="124" name="Shape 124"/>
+          <p:cNvSpPr/>
+          <p:nvPr/>
+        </p:nvSpPr>
+        <p:spPr>
+          <a:xfrm>
+            <a:off x="449872" y="1989767"/>
+            <a:ext cx="1943101" cy="736601"/>
+          </a:xfrm>
+          <a:prstGeom prst="rect">
+            <a:avLst/>
+          </a:prstGeom>
+          <a:ln w="12700">
+            <a:miter lim="400000"/>
+          </a:ln>
+          <a:extLst>
+            <a:ext uri="{C572A759-6A51-4108-AA02-DFA0A04FC94B}">
+              <ma14:wrappingTextBoxFlag xmlns:ma14="http://schemas.microsoft.com/office/mac/drawingml/2011/main" val="1"/>
+            </a:ext>
+          </a:extLst>
+        </p:spPr>
+        <p:txBody>
+          <a:bodyPr wrap="none" lIns="50800" tIns="50800" rIns="50800" bIns="50800" anchor="ctr">
+            <a:spAutoFit/>
+          </a:bodyPr>
+          <a:lstStyle>
+            <a:lvl1pPr>
+              <a:defRPr b="1">
+                <a:latin typeface="+mj-lt"/>
+                <a:ea typeface="+mj-ea"/>
+                <a:cs typeface="+mj-cs"/>
+                <a:sym typeface="Helvetica"/>
+              </a:defRPr>
+            </a:lvl1pPr>
+          </a:lstStyle>
+          <a:p>
+            <a:pPr/>
+            <a:r>
+              <a:t>工具支持</a:t>
             </a:r>
           </a:p>
         </p:txBody>
@@ -3136,7 +3313,7 @@
       </p:grpSpPr>
       <p:sp>
         <p:nvSpPr>
-          <p:cNvPr id="124" name="Shape 124"/>
+          <p:cNvPr id="126" name="Shape 126"/>
           <p:cNvSpPr/>
           <p:nvPr>
             <p:ph type="title"/>
@@ -3144,8 +3321,8 @@
         </p:nvSpPr>
         <p:spPr>
           <a:xfrm>
-            <a:off x="952500" y="64634"/>
-            <a:ext cx="11099800" cy="1397787"/>
+            <a:off x="952499" y="64633"/>
+            <a:ext cx="11099803" cy="1397789"/>
           </a:xfrm>
           <a:prstGeom prst="rect">
             <a:avLst/>
@@ -3168,7 +3345,7 @@
       </p:sp>
       <p:sp>
         <p:nvSpPr>
-          <p:cNvPr id="125" name="Shape 125"/>
+          <p:cNvPr id="127" name="Shape 127"/>
           <p:cNvSpPr/>
           <p:nvPr>
             <p:ph type="body" idx="1"/>
@@ -3176,8 +3353,8 @@
         </p:nvSpPr>
         <p:spPr>
           <a:xfrm>
-            <a:off x="952500" y="2394743"/>
-            <a:ext cx="11099800" cy="6495257"/>
+            <a:off x="952500" y="2394742"/>
+            <a:ext cx="11099800" cy="6495258"/>
           </a:xfrm>
           <a:prstGeom prst="rect">
             <a:avLst/>
@@ -3188,48 +3365,12 @@
           <a:lstStyle/>
           <a:p>
             <a:pPr/>
-          </a:p>
-        </p:txBody>
-      </p:sp>
-      <p:sp>
-        <p:nvSpPr>
-          <p:cNvPr id="126" name="Shape 126"/>
-          <p:cNvSpPr/>
-          <p:nvPr/>
-        </p:nvSpPr>
-        <p:spPr>
-          <a:xfrm>
-            <a:off x="18082" y="1155700"/>
-            <a:ext cx="3771901" cy="736601"/>
-          </a:xfrm>
-          <a:prstGeom prst="rect">
-            <a:avLst/>
-          </a:prstGeom>
-          <a:ln w="12700">
-            <a:miter lim="400000"/>
-          </a:ln>
-          <a:extLst>
-            <a:ext uri="{C572A759-6A51-4108-AA02-DFA0A04FC94B}">
-              <ma14:wrappingTextBoxFlag xmlns:ma14="http://schemas.microsoft.com/office/mac/drawingml/2011/main" val="1"/>
-            </a:ext>
-          </a:extLst>
-        </p:spPr>
-        <p:txBody>
-          <a:bodyPr wrap="none" lIns="50800" tIns="50800" rIns="50800" bIns="50800" anchor="ctr">
-            <a:spAutoFit/>
-          </a:bodyPr>
-          <a:lstStyle/>
-          <a:p>
-            <a:pPr/>
-            <a:r>
-              <a:t>选中被修改的内容</a:t>
-            </a:r>
           </a:p>
         </p:txBody>
       </p:sp>
       <p:pic>
         <p:nvPicPr>
-          <p:cNvPr id="127" name="pasted-image.png"/>
+          <p:cNvPr id="128" name="image2.png"/>
           <p:cNvPicPr>
             <a:picLocks noChangeAspect="1"/>
           </p:cNvPicPr>
@@ -3245,8 +3386,8 @@
         </p:blipFill>
         <p:spPr>
           <a:xfrm>
-            <a:off x="-1" y="1804205"/>
-            <a:ext cx="13004801" cy="7897790"/>
+            <a:off x="0" y="1804204"/>
+            <a:ext cx="13004802" cy="7897792"/>
           </a:xfrm>
           <a:prstGeom prst="rect">
             <a:avLst/>
@@ -3256,6 +3397,42 @@
           </a:ln>
         </p:spPr>
       </p:pic>
+      <p:sp>
+        <p:nvSpPr>
+          <p:cNvPr id="129" name="Shape 129"/>
+          <p:cNvSpPr/>
+          <p:nvPr/>
+        </p:nvSpPr>
+        <p:spPr>
+          <a:xfrm>
+            <a:off x="18081" y="1155699"/>
+            <a:ext cx="3771901" cy="736601"/>
+          </a:xfrm>
+          <a:prstGeom prst="rect">
+            <a:avLst/>
+          </a:prstGeom>
+          <a:ln w="12700">
+            <a:miter lim="400000"/>
+          </a:ln>
+          <a:extLst>
+            <a:ext uri="{C572A759-6A51-4108-AA02-DFA0A04FC94B}">
+              <ma14:wrappingTextBoxFlag xmlns:ma14="http://schemas.microsoft.com/office/mac/drawingml/2011/main" val="1"/>
+            </a:ext>
+          </a:extLst>
+        </p:spPr>
+        <p:txBody>
+          <a:bodyPr wrap="none" lIns="50800" tIns="50800" rIns="50800" bIns="50800" anchor="ctr">
+            <a:spAutoFit/>
+          </a:bodyPr>
+          <a:lstStyle/>
+          <a:p>
+            <a:pPr/>
+            <a:r>
+              <a:t>打开一个工程文件</a:t>
+            </a:r>
+          </a:p>
+        </p:txBody>
+      </p:sp>
     </p:spTree>
   </p:cSld>
   <p:clrMapOvr>
@@ -3284,7 +3461,7 @@
       </p:grpSpPr>
       <p:sp>
         <p:nvSpPr>
-          <p:cNvPr id="129" name="Shape 129"/>
+          <p:cNvPr id="131" name="Shape 131"/>
           <p:cNvSpPr/>
           <p:nvPr>
             <p:ph type="title"/>
@@ -3292,8 +3469,8 @@
         </p:nvSpPr>
         <p:spPr>
           <a:xfrm>
-            <a:off x="952500" y="64634"/>
-            <a:ext cx="11099800" cy="1397787"/>
+            <a:off x="952500" y="64633"/>
+            <a:ext cx="11099800" cy="1397789"/>
           </a:xfrm>
           <a:prstGeom prst="rect">
             <a:avLst/>
@@ -3316,7 +3493,7 @@
       </p:sp>
       <p:sp>
         <p:nvSpPr>
-          <p:cNvPr id="130" name="Shape 130"/>
+          <p:cNvPr id="132" name="Shape 132"/>
           <p:cNvSpPr/>
           <p:nvPr>
             <p:ph type="body" idx="1"/>
@@ -3324,8 +3501,8 @@
         </p:nvSpPr>
         <p:spPr>
           <a:xfrm>
-            <a:off x="952500" y="2394743"/>
-            <a:ext cx="11099800" cy="6495257"/>
+            <a:off x="952500" y="2394742"/>
+            <a:ext cx="11099800" cy="6495258"/>
           </a:xfrm>
           <a:prstGeom prst="rect">
             <a:avLst/>
@@ -3341,13 +3518,13 @@
       </p:sp>
       <p:sp>
         <p:nvSpPr>
-          <p:cNvPr id="131" name="Shape 131"/>
+          <p:cNvPr id="133" name="Shape 133"/>
           <p:cNvSpPr/>
           <p:nvPr/>
         </p:nvSpPr>
         <p:spPr>
           <a:xfrm>
-            <a:off x="18082" y="1155700"/>
+            <a:off x="18081" y="1155699"/>
             <a:ext cx="3771901" cy="736601"/>
           </a:xfrm>
           <a:prstGeom prst="rect">
@@ -3377,7 +3554,7 @@
       </p:sp>
       <p:pic>
         <p:nvPicPr>
-          <p:cNvPr id="132" name="pasted-image.png"/>
+          <p:cNvPr id="134" name="image3.png"/>
           <p:cNvPicPr>
             <a:picLocks noChangeAspect="1"/>
           </p:cNvPicPr>
@@ -3393,8 +3570,8 @@
         </p:blipFill>
         <p:spPr>
           <a:xfrm>
-            <a:off x="-1" y="1798549"/>
-            <a:ext cx="13004801" cy="7909102"/>
+            <a:off x="-2" y="1804204"/>
+            <a:ext cx="13004803" cy="7897792"/>
           </a:xfrm>
           <a:prstGeom prst="rect">
             <a:avLst/>
@@ -3432,7 +3609,7 @@
       </p:grpSpPr>
       <p:sp>
         <p:nvSpPr>
-          <p:cNvPr id="134" name="Shape 134"/>
+          <p:cNvPr id="136" name="Shape 136"/>
           <p:cNvSpPr/>
           <p:nvPr>
             <p:ph type="title"/>
@@ -3440,8 +3617,8 @@
         </p:nvSpPr>
         <p:spPr>
           <a:xfrm>
-            <a:off x="952500" y="64634"/>
-            <a:ext cx="11099800" cy="1397787"/>
+            <a:off x="952500" y="64633"/>
+            <a:ext cx="11099800" cy="1397789"/>
           </a:xfrm>
           <a:prstGeom prst="rect">
             <a:avLst/>
@@ -3464,7 +3641,7 @@
       </p:sp>
       <p:sp>
         <p:nvSpPr>
-          <p:cNvPr id="135" name="Shape 135"/>
+          <p:cNvPr id="137" name="Shape 137"/>
           <p:cNvSpPr/>
           <p:nvPr>
             <p:ph type="body" idx="1"/>
@@ -3472,8 +3649,8 @@
         </p:nvSpPr>
         <p:spPr>
           <a:xfrm>
-            <a:off x="952500" y="2394743"/>
-            <a:ext cx="11099800" cy="6495257"/>
+            <a:off x="952500" y="2394742"/>
+            <a:ext cx="11099800" cy="6495258"/>
           </a:xfrm>
           <a:prstGeom prst="rect">
             <a:avLst/>
@@ -3489,13 +3666,13 @@
       </p:sp>
       <p:sp>
         <p:nvSpPr>
-          <p:cNvPr id="136" name="Shape 136"/>
+          <p:cNvPr id="138" name="Shape 138"/>
           <p:cNvSpPr/>
           <p:nvPr/>
         </p:nvSpPr>
         <p:spPr>
           <a:xfrm>
-            <a:off x="18082" y="1155700"/>
+            <a:off x="18081" y="1155699"/>
             <a:ext cx="3771901" cy="736601"/>
           </a:xfrm>
           <a:prstGeom prst="rect">
@@ -3518,14 +3695,14 @@
           <a:p>
             <a:pPr/>
             <a:r>
-              <a:t>点击出现结果视图</a:t>
+              <a:t>选中被修改的内容</a:t>
             </a:r>
           </a:p>
         </p:txBody>
       </p:sp>
       <p:pic>
         <p:nvPicPr>
-          <p:cNvPr id="137" name="pasted-image.png"/>
+          <p:cNvPr id="139" name="image4.png"/>
           <p:cNvPicPr>
             <a:picLocks noChangeAspect="1"/>
           </p:cNvPicPr>
@@ -3541,8 +3718,8 @@
         </p:blipFill>
         <p:spPr>
           <a:xfrm>
-            <a:off x="-1" y="1804205"/>
-            <a:ext cx="13004801" cy="7897790"/>
+            <a:off x="-2" y="1798548"/>
+            <a:ext cx="13004803" cy="7909103"/>
           </a:xfrm>
           <a:prstGeom prst="rect">
             <a:avLst/>
@@ -3580,7 +3757,7 @@
       </p:grpSpPr>
       <p:sp>
         <p:nvSpPr>
-          <p:cNvPr id="139" name="Shape 139"/>
+          <p:cNvPr id="141" name="Shape 141"/>
           <p:cNvSpPr/>
           <p:nvPr>
             <p:ph type="title"/>
@@ -3588,8 +3765,8 @@
         </p:nvSpPr>
         <p:spPr>
           <a:xfrm>
-            <a:off x="952500" y="64634"/>
-            <a:ext cx="11099800" cy="1397787"/>
+            <a:off x="952500" y="64633"/>
+            <a:ext cx="11099800" cy="1397789"/>
           </a:xfrm>
           <a:prstGeom prst="rect">
             <a:avLst/>
@@ -3612,7 +3789,7 @@
       </p:sp>
       <p:sp>
         <p:nvSpPr>
-          <p:cNvPr id="140" name="Shape 140"/>
+          <p:cNvPr id="142" name="Shape 142"/>
           <p:cNvSpPr/>
           <p:nvPr>
             <p:ph type="body" idx="1"/>
@@ -3620,8 +3797,8 @@
         </p:nvSpPr>
         <p:spPr>
           <a:xfrm>
-            <a:off x="952500" y="2394743"/>
-            <a:ext cx="11099800" cy="6495257"/>
+            <a:off x="952500" y="2394742"/>
+            <a:ext cx="11099800" cy="6495258"/>
           </a:xfrm>
           <a:prstGeom prst="rect">
             <a:avLst/>
@@ -3637,13 +3814,13 @@
       </p:sp>
       <p:sp>
         <p:nvSpPr>
-          <p:cNvPr id="141" name="Shape 141"/>
+          <p:cNvPr id="143" name="Shape 143"/>
           <p:cNvSpPr/>
           <p:nvPr/>
         </p:nvSpPr>
         <p:spPr>
           <a:xfrm>
-            <a:off x="18082" y="1155700"/>
+            <a:off x="18081" y="1155699"/>
             <a:ext cx="3771901" cy="736601"/>
           </a:xfrm>
           <a:prstGeom prst="rect">
@@ -3666,14 +3843,14 @@
           <a:p>
             <a:pPr/>
             <a:r>
-              <a:t>选中结果视图内容</a:t>
+              <a:t>点击出现结果视图</a:t>
             </a:r>
           </a:p>
         </p:txBody>
       </p:sp>
       <p:pic>
         <p:nvPicPr>
-          <p:cNvPr id="142" name="pasted-image.png"/>
+          <p:cNvPr id="144" name="image5.png"/>
           <p:cNvPicPr>
             <a:picLocks noChangeAspect="1"/>
           </p:cNvPicPr>
@@ -3689,8 +3866,8 @@
         </p:blipFill>
         <p:spPr>
           <a:xfrm>
-            <a:off x="-1" y="1804205"/>
-            <a:ext cx="13004801" cy="7897790"/>
+            <a:off x="-2" y="1804204"/>
+            <a:ext cx="13004803" cy="7897792"/>
           </a:xfrm>
           <a:prstGeom prst="rect">
             <a:avLst/>
@@ -3728,7 +3905,7 @@
       </p:grpSpPr>
       <p:sp>
         <p:nvSpPr>
-          <p:cNvPr id="144" name="Shape 144"/>
+          <p:cNvPr id="146" name="Shape 146"/>
           <p:cNvSpPr/>
           <p:nvPr>
             <p:ph type="title"/>
@@ -3736,8 +3913,8 @@
         </p:nvSpPr>
         <p:spPr>
           <a:xfrm>
-            <a:off x="952500" y="64634"/>
-            <a:ext cx="11099800" cy="1397787"/>
+            <a:off x="952500" y="64633"/>
+            <a:ext cx="11099800" cy="1397789"/>
           </a:xfrm>
           <a:prstGeom prst="rect">
             <a:avLst/>
@@ -3760,7 +3937,7 @@
       </p:sp>
       <p:sp>
         <p:nvSpPr>
-          <p:cNvPr id="145" name="Shape 145"/>
+          <p:cNvPr id="147" name="Shape 147"/>
           <p:cNvSpPr/>
           <p:nvPr>
             <p:ph type="body" idx="1"/>
@@ -3768,8 +3945,8 @@
         </p:nvSpPr>
         <p:spPr>
           <a:xfrm>
-            <a:off x="952500" y="2394743"/>
-            <a:ext cx="11099800" cy="6495257"/>
+            <a:off x="952500" y="2394742"/>
+            <a:ext cx="11099800" cy="6495258"/>
           </a:xfrm>
           <a:prstGeom prst="rect">
             <a:avLst/>
@@ -3785,14 +3962,14 @@
       </p:sp>
       <p:sp>
         <p:nvSpPr>
-          <p:cNvPr id="146" name="Shape 146"/>
+          <p:cNvPr id="148" name="Shape 148"/>
           <p:cNvSpPr/>
           <p:nvPr/>
         </p:nvSpPr>
         <p:spPr>
           <a:xfrm>
-            <a:off x="3363" y="1155700"/>
-            <a:ext cx="5600701" cy="736601"/>
+            <a:off x="18081" y="1155699"/>
+            <a:ext cx="3771901" cy="736601"/>
           </a:xfrm>
           <a:prstGeom prst="rect">
             <a:avLst/>
@@ -3814,14 +3991,14 @@
           <a:p>
             <a:pPr/>
             <a:r>
-              <a:t>双击选中内容打开对应文件</a:t>
+              <a:t>选中结果视图内容</a:t>
             </a:r>
           </a:p>
         </p:txBody>
       </p:sp>
       <p:pic>
         <p:nvPicPr>
-          <p:cNvPr id="147" name="pasted-image.png"/>
+          <p:cNvPr id="149" name="image6.png"/>
           <p:cNvPicPr>
             <a:picLocks noChangeAspect="1"/>
           </p:cNvPicPr>
@@ -3837,8 +4014,156 @@
         </p:blipFill>
         <p:spPr>
           <a:xfrm>
-            <a:off x="-1" y="1804205"/>
-            <a:ext cx="13004801" cy="7897790"/>
+            <a:off x="-2" y="1804204"/>
+            <a:ext cx="13004803" cy="7897792"/>
+          </a:xfrm>
+          <a:prstGeom prst="rect">
+            <a:avLst/>
+          </a:prstGeom>
+          <a:ln w="12700">
+            <a:miter lim="400000"/>
+          </a:ln>
+        </p:spPr>
+      </p:pic>
+    </p:spTree>
+  </p:cSld>
+  <p:clrMapOvr>
+    <a:masterClrMapping/>
+  </p:clrMapOvr>
+  <p:transition xmlns:p14="http://schemas.microsoft.com/office/powerpoint/2010/main" spd="med" advClick="1"/>
+</p:sld>
+</file>
+
+<file path=ppt/slides/slide7.xml><?xml version="1.0" encoding="utf-8"?>
+<p:sld xmlns:a="http://schemas.openxmlformats.org/drawingml/2006/main" xmlns:r="http://schemas.openxmlformats.org/officeDocument/2006/relationships" xmlns:p="http://schemas.openxmlformats.org/presentationml/2006/main" showMasterSp="1" showMasterPhAnim="1">
+  <p:cSld>
+    <p:spTree>
+      <p:nvGrpSpPr>
+        <p:cNvPr id="1" name=""/>
+        <p:cNvGrpSpPr/>
+        <p:nvPr/>
+      </p:nvGrpSpPr>
+      <p:grpSpPr>
+        <a:xfrm>
+          <a:off x="0" y="0"/>
+          <a:ext cx="0" cy="0"/>
+          <a:chOff x="0" y="0"/>
+          <a:chExt cx="0" cy="0"/>
+        </a:xfrm>
+      </p:grpSpPr>
+      <p:sp>
+        <p:nvSpPr>
+          <p:cNvPr id="151" name="Shape 151"/>
+          <p:cNvSpPr/>
+          <p:nvPr>
+            <p:ph type="title"/>
+          </p:nvPr>
+        </p:nvSpPr>
+        <p:spPr>
+          <a:xfrm>
+            <a:off x="952500" y="64633"/>
+            <a:ext cx="11099800" cy="1397789"/>
+          </a:xfrm>
+          <a:prstGeom prst="rect">
+            <a:avLst/>
+          </a:prstGeom>
+        </p:spPr>
+        <p:txBody>
+          <a:bodyPr/>
+          <a:lstStyle>
+            <a:lvl1pPr>
+              <a:defRPr sz="6500"/>
+            </a:lvl1pPr>
+          </a:lstStyle>
+          <a:p>
+            <a:pPr/>
+            <a:r>
+              <a:t>插件演示</a:t>
+            </a:r>
+          </a:p>
+        </p:txBody>
+      </p:sp>
+      <p:sp>
+        <p:nvSpPr>
+          <p:cNvPr id="152" name="Shape 152"/>
+          <p:cNvSpPr/>
+          <p:nvPr>
+            <p:ph type="body" idx="1"/>
+          </p:nvPr>
+        </p:nvSpPr>
+        <p:spPr>
+          <a:xfrm>
+            <a:off x="952500" y="2394742"/>
+            <a:ext cx="11099800" cy="6495258"/>
+          </a:xfrm>
+          <a:prstGeom prst="rect">
+            <a:avLst/>
+          </a:prstGeom>
+        </p:spPr>
+        <p:txBody>
+          <a:bodyPr/>
+          <a:lstStyle/>
+          <a:p>
+            <a:pPr/>
+          </a:p>
+        </p:txBody>
+      </p:sp>
+      <p:sp>
+        <p:nvSpPr>
+          <p:cNvPr id="153" name="Shape 153"/>
+          <p:cNvSpPr/>
+          <p:nvPr/>
+        </p:nvSpPr>
+        <p:spPr>
+          <a:xfrm>
+            <a:off x="3362" y="1155699"/>
+            <a:ext cx="5600701" cy="736601"/>
+          </a:xfrm>
+          <a:prstGeom prst="rect">
+            <a:avLst/>
+          </a:prstGeom>
+          <a:ln w="12700">
+            <a:miter lim="400000"/>
+          </a:ln>
+          <a:extLst>
+            <a:ext uri="{C572A759-6A51-4108-AA02-DFA0A04FC94B}">
+              <ma14:wrappingTextBoxFlag xmlns:ma14="http://schemas.microsoft.com/office/mac/drawingml/2011/main" val="1"/>
+            </a:ext>
+          </a:extLst>
+        </p:spPr>
+        <p:txBody>
+          <a:bodyPr wrap="none" lIns="50800" tIns="50800" rIns="50800" bIns="50800" anchor="ctr">
+            <a:spAutoFit/>
+          </a:bodyPr>
+          <a:lstStyle/>
+          <a:p>
+            <a:pPr/>
+            <a:r>
+              <a:t>双击选中内容打开对应文件</a:t>
+            </a:r>
+          </a:p>
+        </p:txBody>
+      </p:sp>
+      <p:pic>
+        <p:nvPicPr>
+          <p:cNvPr id="154" name="image7.png"/>
+          <p:cNvPicPr>
+            <a:picLocks noChangeAspect="1"/>
+          </p:cNvPicPr>
+          <p:nvPr/>
+        </p:nvPicPr>
+        <p:blipFill>
+          <a:blip r:embed="rId2">
+            <a:extLst/>
+          </a:blip>
+          <a:stretch>
+            <a:fillRect/>
+          </a:stretch>
+        </p:blipFill>
+        <p:spPr>
+          <a:xfrm>
+            <a:off x="-2" y="1804204"/>
+            <a:ext cx="13004803" cy="7897792"/>
           </a:xfrm>
           <a:prstGeom prst="rect">
             <a:avLst/>
@@ -3868,10 +4193,10 @@
         <a:srgbClr val="FFFFFF"/>
       </a:lt1>
       <a:dk2>
-        <a:srgbClr val="53585F"/>
+        <a:srgbClr val="A7A7A7"/>
       </a:dk2>
       <a:lt2>
-        <a:srgbClr val="DCDEE0"/>
+        <a:srgbClr val="535353"/>
       </a:lt2>
       <a:accent1>
         <a:srgbClr val="0365C0"/>
@@ -3900,14 +4225,14 @@
     </a:clrScheme>
     <a:fontScheme name="White">
       <a:majorFont>
-        <a:latin typeface="Helvetica Light"/>
-        <a:ea typeface="Helvetica Light"/>
-        <a:cs typeface="Helvetica Light"/>
+        <a:latin typeface="Helvetica"/>
+        <a:ea typeface="Helvetica"/>
+        <a:cs typeface="Helvetica"/>
       </a:majorFont>
       <a:minorFont>
-        <a:latin typeface="Helvetica Light"/>
-        <a:ea typeface="Helvetica Light"/>
-        <a:cs typeface="Helvetica Light"/>
+        <a:latin typeface="Helvetica Neue"/>
+        <a:ea typeface="Helvetica Neue"/>
+        <a:cs typeface="Helvetica Neue"/>
       </a:minorFont>
     </a:fontScheme>
     <a:fmtScheme name="White">
@@ -3993,7 +4318,7 @@
         </a:effectStyle>
         <a:effectStyle>
           <a:effectLst>
-            <a:outerShdw sx="100000" sy="100000" kx="0" ky="0" algn="b" rotWithShape="0" blurRad="50800" dist="12700" dir="0">
+            <a:outerShdw sx="100000" sy="100000" kx="0" ky="0" algn="b" rotWithShape="0" blurRad="38100" dist="25400" dir="5400000">
               <a:srgbClr val="000000">
                 <a:alpha val="50000"/>
               </a:srgbClr>
@@ -4065,14 +4390,15 @@
   <a:objectDefaults>
     <a:spDef>
       <a:spPr>
-        <a:blipFill rotWithShape="1">
-          <a:blip r:embed="rId1"/>
-          <a:srcRect l="0" t="0" r="0" b="0"/>
-          <a:tile tx="0" ty="0" sx="100000" sy="100000" flip="none" algn="tl"/>
-        </a:blipFill>
-        <a:ln w="12700" cap="flat">
-          <a:noFill/>
-          <a:miter lim="400000"/>
+        <a:solidFill>
+          <a:srgbClr val="FFFFFF"/>
+        </a:solidFill>
+        <a:ln w="25400" cap="flat">
+          <a:solidFill>
+            <a:schemeClr val="accent1"/>
+          </a:solidFill>
+          <a:prstDash val="solid"/>
+          <a:round/>
         </a:ln>
         <a:effectLst>
           <a:outerShdw sx="100000" sy="100000" kx="0" ky="0" algn="b" rotWithShape="0" blurRad="38100" dist="25400" dir="5400000">
@@ -4102,18 +4428,18 @@
           <a:buFontTx/>
           <a:buNone/>
           <a:tabLst/>
-          <a:defRPr b="0" baseline="0" cap="none" i="0" spc="0" strike="noStrike" sz="2400" u="none" kumimoji="0" normalizeH="0">
+          <a:defRPr b="0" baseline="0" cap="none" i="0" spc="0" strike="noStrike" sz="3600" u="none" kumimoji="0" normalizeH="0">
             <a:ln>
               <a:noFill/>
             </a:ln>
             <a:solidFill>
-              <a:srgbClr val="FFFFFF"/>
+              <a:srgbClr val="000000"/>
             </a:solidFill>
             <a:effectLst/>
             <a:uFillTx/>
-            <a:latin typeface="+mn-lt"/>
-            <a:ea typeface="+mn-ea"/>
-            <a:cs typeface="+mn-cs"/>
+            <a:latin typeface="Helvetica Light"/>
+            <a:ea typeface="Helvetica Light"/>
+            <a:cs typeface="Helvetica Light"/>
             <a:sym typeface="Helvetica Light"/>
           </a:defRPr>
         </a:defPPr>
@@ -4364,12 +4690,18 @@
         <a:noFill/>
         <a:ln w="25400" cap="flat">
           <a:solidFill>
-            <a:srgbClr val="000000"/>
+            <a:schemeClr val="accent1"/>
           </a:solidFill>
           <a:prstDash val="solid"/>
-          <a:miter lim="400000"/>
+          <a:round/>
         </a:ln>
-        <a:effectLst/>
+        <a:effectLst>
+          <a:outerShdw sx="100000" sy="100000" kx="0" ky="0" algn="b" rotWithShape="0" blurRad="38100" dist="25400" dir="5400000">
+            <a:srgbClr val="000000">
+              <a:alpha val="50000"/>
+            </a:srgbClr>
+          </a:outerShdw>
+        </a:effectLst>
         <a:sp3d/>
       </a:spPr>
       <a:bodyPr rot="0" spcFirstLastPara="1" vertOverflow="overflow" horzOverflow="overflow" vert="horz" wrap="square" lIns="91439" tIns="45719" rIns="91439" bIns="45719" numCol="1" spcCol="38100" rtlCol="0" anchor="t" upright="0">
@@ -4682,9 +5014,9 @@
             </a:solidFill>
             <a:effectLst/>
             <a:uFillTx/>
-            <a:latin typeface="+mn-lt"/>
-            <a:ea typeface="+mn-ea"/>
-            <a:cs typeface="+mn-cs"/>
+            <a:latin typeface="Helvetica Light"/>
+            <a:ea typeface="Helvetica Light"/>
+            <a:cs typeface="Helvetica Light"/>
             <a:sym typeface="Helvetica Light"/>
           </a:defRPr>
         </a:defPPr>
@@ -4945,10 +5277,10 @@
         <a:srgbClr val="FFFFFF"/>
       </a:lt1>
       <a:dk2>
-        <a:srgbClr val="53585F"/>
+        <a:srgbClr val="A7A7A7"/>
       </a:dk2>
       <a:lt2>
-        <a:srgbClr val="DCDEE0"/>
+        <a:srgbClr val="535353"/>
       </a:lt2>
       <a:accent1>
         <a:srgbClr val="0365C0"/>
@@ -4977,14 +5309,14 @@
     </a:clrScheme>
     <a:fontScheme name="White">
       <a:majorFont>
-        <a:latin typeface="Helvetica Light"/>
-        <a:ea typeface="Helvetica Light"/>
-        <a:cs typeface="Helvetica Light"/>
+        <a:latin typeface="Helvetica"/>
+        <a:ea typeface="Helvetica"/>
+        <a:cs typeface="Helvetica"/>
       </a:majorFont>
       <a:minorFont>
-        <a:latin typeface="Helvetica Light"/>
-        <a:ea typeface="Helvetica Light"/>
-        <a:cs typeface="Helvetica Light"/>
+        <a:latin typeface="Helvetica Neue"/>
+        <a:ea typeface="Helvetica Neue"/>
+        <a:cs typeface="Helvetica Neue"/>
       </a:minorFont>
     </a:fontScheme>
     <a:fmtScheme name="White">
@@ -5070,7 +5402,7 @@
         </a:effectStyle>
         <a:effectStyle>
           <a:effectLst>
-            <a:outerShdw sx="100000" sy="100000" kx="0" ky="0" algn="b" rotWithShape="0" blurRad="50800" dist="12700" dir="0">
+            <a:outerShdw sx="100000" sy="100000" kx="0" ky="0" algn="b" rotWithShape="0" blurRad="38100" dist="25400" dir="5400000">
               <a:srgbClr val="000000">
                 <a:alpha val="50000"/>
               </a:srgbClr>
@@ -5142,14 +5474,15 @@
   <a:objectDefaults>
     <a:spDef>
       <a:spPr>
-        <a:blipFill rotWithShape="1">
-          <a:blip r:embed="rId1"/>
-          <a:srcRect l="0" t="0" r="0" b="0"/>
-          <a:tile tx="0" ty="0" sx="100000" sy="100000" flip="none" algn="tl"/>
-        </a:blipFill>
-        <a:ln w="12700" cap="flat">
-          <a:noFill/>
-          <a:miter lim="400000"/>
+        <a:solidFill>
+          <a:srgbClr val="FFFFFF"/>
+        </a:solidFill>
+        <a:ln w="25400" cap="flat">
+          <a:solidFill>
+            <a:schemeClr val="accent1"/>
+          </a:solidFill>
+          <a:prstDash val="solid"/>
+          <a:round/>
         </a:ln>
         <a:effectLst>
           <a:outerShdw sx="100000" sy="100000" kx="0" ky="0" algn="b" rotWithShape="0" blurRad="38100" dist="25400" dir="5400000">
@@ -5179,18 +5512,18 @@
           <a:buFontTx/>
           <a:buNone/>
           <a:tabLst/>
-          <a:defRPr b="0" baseline="0" cap="none" i="0" spc="0" strike="noStrike" sz="2400" u="none" kumimoji="0" normalizeH="0">
+          <a:defRPr b="0" baseline="0" cap="none" i="0" spc="0" strike="noStrike" sz="3600" u="none" kumimoji="0" normalizeH="0">
             <a:ln>
               <a:noFill/>
             </a:ln>
             <a:solidFill>
-              <a:srgbClr val="FFFFFF"/>
+              <a:srgbClr val="000000"/>
             </a:solidFill>
             <a:effectLst/>
             <a:uFillTx/>
-            <a:latin typeface="+mn-lt"/>
-            <a:ea typeface="+mn-ea"/>
-            <a:cs typeface="+mn-cs"/>
+            <a:latin typeface="Helvetica Light"/>
+            <a:ea typeface="Helvetica Light"/>
+            <a:cs typeface="Helvetica Light"/>
             <a:sym typeface="Helvetica Light"/>
           </a:defRPr>
         </a:defPPr>
@@ -5441,12 +5774,18 @@
         <a:noFill/>
         <a:ln w="25400" cap="flat">
           <a:solidFill>
-            <a:srgbClr val="000000"/>
+            <a:schemeClr val="accent1"/>
           </a:solidFill>
           <a:prstDash val="solid"/>
-          <a:miter lim="400000"/>
+          <a:round/>
         </a:ln>
-        <a:effectLst/>
+        <a:effectLst>
+          <a:outerShdw sx="100000" sy="100000" kx="0" ky="0" algn="b" rotWithShape="0" blurRad="38100" dist="25400" dir="5400000">
+            <a:srgbClr val="000000">
+              <a:alpha val="50000"/>
+            </a:srgbClr>
+          </a:outerShdw>
+        </a:effectLst>
         <a:sp3d/>
       </a:spPr>
       <a:bodyPr rot="0" spcFirstLastPara="1" vertOverflow="overflow" horzOverflow="overflow" vert="horz" wrap="square" lIns="91439" tIns="45719" rIns="91439" bIns="45719" numCol="1" spcCol="38100" rtlCol="0" anchor="t" upright="0">
@@ -5759,9 +6098,9 @@
             </a:solidFill>
             <a:effectLst/>
             <a:uFillTx/>
-            <a:latin typeface="+mn-lt"/>
-            <a:ea typeface="+mn-ea"/>
-            <a:cs typeface="+mn-cs"/>
+            <a:latin typeface="Helvetica Light"/>
+            <a:ea typeface="Helvetica Light"/>
+            <a:cs typeface="Helvetica Light"/>
             <a:sym typeface="Helvetica Light"/>
           </a:defRPr>
         </a:defPPr>

--- a/项目报告/插件演示部分-吕广利.pptx
+++ b/项目报告/插件演示部分-吕广利.pptx
@@ -3158,8 +3158,8 @@
         </p:nvSpPr>
         <p:spPr>
           <a:xfrm>
-            <a:off x="965616" y="4547618"/>
-            <a:ext cx="10223907" cy="736601"/>
+            <a:off x="965615" y="4547618"/>
+            <a:ext cx="10223908" cy="736601"/>
           </a:xfrm>
           <a:prstGeom prst="rect">
             <a:avLst/>
@@ -3368,9 +3368,45 @@
           </a:p>
         </p:txBody>
       </p:sp>
+      <p:sp>
+        <p:nvSpPr>
+          <p:cNvPr id="128" name="Shape 128"/>
+          <p:cNvSpPr/>
+          <p:nvPr/>
+        </p:nvSpPr>
+        <p:spPr>
+          <a:xfrm>
+            <a:off x="18081" y="1155699"/>
+            <a:ext cx="3771901" cy="736601"/>
+          </a:xfrm>
+          <a:prstGeom prst="rect">
+            <a:avLst/>
+          </a:prstGeom>
+          <a:ln w="12700">
+            <a:miter lim="400000"/>
+          </a:ln>
+          <a:extLst>
+            <a:ext uri="{C572A759-6A51-4108-AA02-DFA0A04FC94B}">
+              <ma14:wrappingTextBoxFlag xmlns:ma14="http://schemas.microsoft.com/office/mac/drawingml/2011/main" val="1"/>
+            </a:ext>
+          </a:extLst>
+        </p:spPr>
+        <p:txBody>
+          <a:bodyPr wrap="none" lIns="50800" tIns="50800" rIns="50800" bIns="50800" anchor="ctr">
+            <a:spAutoFit/>
+          </a:bodyPr>
+          <a:lstStyle/>
+          <a:p>
+            <a:pPr/>
+            <a:r>
+              <a:t>打开一个工程文件</a:t>
+            </a:r>
+          </a:p>
+        </p:txBody>
+      </p:sp>
       <p:pic>
         <p:nvPicPr>
-          <p:cNvPr id="128" name="image2.png"/>
+          <p:cNvPr id="129" name="pasted-image.png"/>
           <p:cNvPicPr>
             <a:picLocks noChangeAspect="1"/>
           </p:cNvPicPr>
@@ -3386,8 +3422,8 @@
         </p:blipFill>
         <p:spPr>
           <a:xfrm>
-            <a:off x="0" y="1804204"/>
-            <a:ext cx="13004802" cy="7897792"/>
+            <a:off x="0" y="1854182"/>
+            <a:ext cx="13004801" cy="7112001"/>
           </a:xfrm>
           <a:prstGeom prst="rect">
             <a:avLst/>
@@ -3397,42 +3433,6 @@
           </a:ln>
         </p:spPr>
       </p:pic>
-      <p:sp>
-        <p:nvSpPr>
-          <p:cNvPr id="129" name="Shape 129"/>
-          <p:cNvSpPr/>
-          <p:nvPr/>
-        </p:nvSpPr>
-        <p:spPr>
-          <a:xfrm>
-            <a:off x="18081" y="1155699"/>
-            <a:ext cx="3771901" cy="736601"/>
-          </a:xfrm>
-          <a:prstGeom prst="rect">
-            <a:avLst/>
-          </a:prstGeom>
-          <a:ln w="12700">
-            <a:miter lim="400000"/>
-          </a:ln>
-          <a:extLst>
-            <a:ext uri="{C572A759-6A51-4108-AA02-DFA0A04FC94B}">
-              <ma14:wrappingTextBoxFlag xmlns:ma14="http://schemas.microsoft.com/office/mac/drawingml/2011/main" val="1"/>
-            </a:ext>
-          </a:extLst>
-        </p:spPr>
-        <p:txBody>
-          <a:bodyPr wrap="none" lIns="50800" tIns="50800" rIns="50800" bIns="50800" anchor="ctr">
-            <a:spAutoFit/>
-          </a:bodyPr>
-          <a:lstStyle/>
-          <a:p>
-            <a:pPr/>
-            <a:r>
-              <a:t>打开一个工程文件</a:t>
-            </a:r>
-          </a:p>
-        </p:txBody>
-      </p:sp>
     </p:spTree>
   </p:cSld>
   <p:clrMapOvr>
@@ -3554,7 +3554,7 @@
       </p:sp>
       <p:pic>
         <p:nvPicPr>
-          <p:cNvPr id="134" name="image3.png"/>
+          <p:cNvPr id="134" name="pasted-image.png"/>
           <p:cNvPicPr>
             <a:picLocks noChangeAspect="1"/>
           </p:cNvPicPr>
@@ -3570,8 +3570,8 @@
         </p:blipFill>
         <p:spPr>
           <a:xfrm>
-            <a:off x="-2" y="1804204"/>
-            <a:ext cx="13004803" cy="7897792"/>
+            <a:off x="0" y="1878426"/>
+            <a:ext cx="13004800" cy="7112001"/>
           </a:xfrm>
           <a:prstGeom prst="rect">
             <a:avLst/>
@@ -3672,8 +3672,8 @@
         </p:nvSpPr>
         <p:spPr>
           <a:xfrm>
-            <a:off x="18081" y="1155699"/>
-            <a:ext cx="3771901" cy="736601"/>
+            <a:off x="475282" y="1155700"/>
+            <a:ext cx="2857501" cy="736601"/>
           </a:xfrm>
           <a:prstGeom prst="rect">
             <a:avLst/>
@@ -3695,7 +3695,7 @@
           <a:p>
             <a:pPr/>
             <a:r>
-              <a:t>选中被修改的内容</a:t>
+              <a:t>右键单击菜单</a:t>
             </a:r>
           </a:p>
         </p:txBody>
@@ -3850,7 +3850,7 @@
       </p:sp>
       <p:pic>
         <p:nvPicPr>
-          <p:cNvPr id="144" name="image5.png"/>
+          <p:cNvPr id="144" name="pasted-image.png"/>
           <p:cNvPicPr>
             <a:picLocks noChangeAspect="1"/>
           </p:cNvPicPr>
@@ -3866,8 +3866,8 @@
         </p:blipFill>
         <p:spPr>
           <a:xfrm>
-            <a:off x="-2" y="1804204"/>
-            <a:ext cx="13004803" cy="7897792"/>
+            <a:off x="-1" y="2001027"/>
+            <a:ext cx="13004801" cy="7282689"/>
           </a:xfrm>
           <a:prstGeom prst="rect">
             <a:avLst/>
@@ -3998,7 +3998,7 @@
       </p:sp>
       <p:pic>
         <p:nvPicPr>
-          <p:cNvPr id="149" name="image6.png"/>
+          <p:cNvPr id="149" name="pasted-image.png"/>
           <p:cNvPicPr>
             <a:picLocks noChangeAspect="1"/>
           </p:cNvPicPr>
@@ -4014,8 +4014,8 @@
         </p:blipFill>
         <p:spPr>
           <a:xfrm>
-            <a:off x="-2" y="1804204"/>
-            <a:ext cx="13004803" cy="7897792"/>
+            <a:off x="0" y="2086371"/>
+            <a:ext cx="13004800" cy="7112001"/>
           </a:xfrm>
           <a:prstGeom prst="rect">
             <a:avLst/>
@@ -4146,7 +4146,7 @@
       </p:sp>
       <p:pic>
         <p:nvPicPr>
-          <p:cNvPr id="154" name="image7.png"/>
+          <p:cNvPr id="154" name="pasted-image.png"/>
           <p:cNvPicPr>
             <a:picLocks noChangeAspect="1"/>
           </p:cNvPicPr>
@@ -4162,8 +4162,8 @@
         </p:blipFill>
         <p:spPr>
           <a:xfrm>
-            <a:off x="-2" y="1804204"/>
-            <a:ext cx="13004803" cy="7897792"/>
+            <a:off x="0" y="1781448"/>
+            <a:ext cx="13004800" cy="7112001"/>
           </a:xfrm>
           <a:prstGeom prst="rect">
             <a:avLst/>
